--- a/Pilot2_organisering av prosjektteamet.pptx
+++ b/Pilot2_organisering av prosjektteamet.pptx
@@ -104,6 +104,11 @@
       </a:defRPr>
     </a:lvl9pPr>
   </p:defaultTextStyle>
+  <p:extLst>
+    <p:ext uri="{EFAFB233-063F-42B5-8137-9DF3F51BA10A}">
+      <p15:sldGuideLst xmlns:p15="http://schemas.microsoft.com/office/powerpoint/2012/main"/>
+    </p:ext>
+  </p:extLst>
 </p:presentation>
 </file>
 
@@ -3158,7 +3163,7 @@
           <a:p>
             <a:fld id="{F52D2517-354E-45E0-A500-9BBCE3F9F131}" type="datetimeFigureOut">
               <a:rPr lang="nb-NO" smtClean="0"/>
-              <a:t>08.03.2021</a:t>
+              <a:t>02.08.2021</a:t>
             </a:fld>
             <a:endParaRPr lang="nb-NO"/>
           </a:p>
@@ -3358,7 +3363,7 @@
           <a:p>
             <a:fld id="{F52D2517-354E-45E0-A500-9BBCE3F9F131}" type="datetimeFigureOut">
               <a:rPr lang="nb-NO" smtClean="0"/>
-              <a:t>08.03.2021</a:t>
+              <a:t>02.08.2021</a:t>
             </a:fld>
             <a:endParaRPr lang="nb-NO"/>
           </a:p>
@@ -3568,7 +3573,7 @@
           <a:p>
             <a:fld id="{F52D2517-354E-45E0-A500-9BBCE3F9F131}" type="datetimeFigureOut">
               <a:rPr lang="nb-NO" smtClean="0"/>
-              <a:t>08.03.2021</a:t>
+              <a:t>02.08.2021</a:t>
             </a:fld>
             <a:endParaRPr lang="nb-NO"/>
           </a:p>
@@ -3768,7 +3773,7 @@
           <a:p>
             <a:fld id="{F52D2517-354E-45E0-A500-9BBCE3F9F131}" type="datetimeFigureOut">
               <a:rPr lang="nb-NO" smtClean="0"/>
-              <a:t>08.03.2021</a:t>
+              <a:t>02.08.2021</a:t>
             </a:fld>
             <a:endParaRPr lang="nb-NO"/>
           </a:p>
@@ -4044,7 +4049,7 @@
           <a:p>
             <a:fld id="{F52D2517-354E-45E0-A500-9BBCE3F9F131}" type="datetimeFigureOut">
               <a:rPr lang="nb-NO" smtClean="0"/>
-              <a:t>08.03.2021</a:t>
+              <a:t>02.08.2021</a:t>
             </a:fld>
             <a:endParaRPr lang="nb-NO"/>
           </a:p>
@@ -4312,7 +4317,7 @@
           <a:p>
             <a:fld id="{F52D2517-354E-45E0-A500-9BBCE3F9F131}" type="datetimeFigureOut">
               <a:rPr lang="nb-NO" smtClean="0"/>
-              <a:t>08.03.2021</a:t>
+              <a:t>02.08.2021</a:t>
             </a:fld>
             <a:endParaRPr lang="nb-NO"/>
           </a:p>
@@ -4727,7 +4732,7 @@
           <a:p>
             <a:fld id="{F52D2517-354E-45E0-A500-9BBCE3F9F131}" type="datetimeFigureOut">
               <a:rPr lang="nb-NO" smtClean="0"/>
-              <a:t>08.03.2021</a:t>
+              <a:t>02.08.2021</a:t>
             </a:fld>
             <a:endParaRPr lang="nb-NO"/>
           </a:p>
@@ -4869,7 +4874,7 @@
           <a:p>
             <a:fld id="{F52D2517-354E-45E0-A500-9BBCE3F9F131}" type="datetimeFigureOut">
               <a:rPr lang="nb-NO" smtClean="0"/>
-              <a:t>08.03.2021</a:t>
+              <a:t>02.08.2021</a:t>
             </a:fld>
             <a:endParaRPr lang="nb-NO"/>
           </a:p>
@@ -4982,7 +4987,7 @@
           <a:p>
             <a:fld id="{F52D2517-354E-45E0-A500-9BBCE3F9F131}" type="datetimeFigureOut">
               <a:rPr lang="nb-NO" smtClean="0"/>
-              <a:t>08.03.2021</a:t>
+              <a:t>02.08.2021</a:t>
             </a:fld>
             <a:endParaRPr lang="nb-NO"/>
           </a:p>
@@ -5295,7 +5300,7 @@
           <a:p>
             <a:fld id="{F52D2517-354E-45E0-A500-9BBCE3F9F131}" type="datetimeFigureOut">
               <a:rPr lang="nb-NO" smtClean="0"/>
-              <a:t>08.03.2021</a:t>
+              <a:t>02.08.2021</a:t>
             </a:fld>
             <a:endParaRPr lang="nb-NO"/>
           </a:p>
@@ -5584,7 +5589,7 @@
           <a:p>
             <a:fld id="{F52D2517-354E-45E0-A500-9BBCE3F9F131}" type="datetimeFigureOut">
               <a:rPr lang="nb-NO" smtClean="0"/>
-              <a:t>08.03.2021</a:t>
+              <a:t>02.08.2021</a:t>
             </a:fld>
             <a:endParaRPr lang="nb-NO"/>
           </a:p>
@@ -5827,7 +5832,7 @@
           <a:p>
             <a:fld id="{F52D2517-354E-45E0-A500-9BBCE3F9F131}" type="datetimeFigureOut">
               <a:rPr lang="nb-NO" smtClean="0"/>
-              <a:t>08.03.2021</a:t>
+              <a:t>02.08.2021</a:t>
             </a:fld>
             <a:endParaRPr lang="nb-NO"/>
           </a:p>
@@ -6390,7 +6395,7 @@
         <p:spPr>
           <a:xfrm>
             <a:off x="4467496" y="2272937"/>
-            <a:ext cx="4563292" cy="1384995"/>
+            <a:ext cx="4563292" cy="1169551"/>
           </a:xfrm>
           <a:prstGeom prst="rect">
             <a:avLst/>
@@ -6435,12 +6440,9 @@
           <a:p>
             <a:pPr algn="r"/>
             <a:r>
-              <a:rPr lang="nb-NO" sz="1400" dirty="0"/>
-              <a:t>1 student0</a:t>
-            </a:r>
-          </a:p>
-          <a:p>
-            <a:pPr algn="r"/>
+              <a:rPr lang="nb-NO" sz="1400"/>
+              <a:t>Stian Furu</a:t>
+            </a:r>
             <a:endParaRPr lang="nb-NO" sz="1400" dirty="0"/>
           </a:p>
         </p:txBody>
@@ -6782,6 +6784,21 @@
 </file>
 
 <file path=customXml/item1.xml><?xml version="1.0" encoding="utf-8"?>
+<p:properties xmlns:p="http://schemas.microsoft.com/office/2006/metadata/properties" xmlns:xsi="http://www.w3.org/2001/XMLSchema-instance" xmlns:pc="http://schemas.microsoft.com/office/infopath/2007/PartnerControls">
+  <documentManagement/>
+</p:properties>
+</file>
+
+<file path=customXml/item2.xml><?xml version="1.0" encoding="utf-8"?>
+<?mso-contentType ?>
+<FormTemplates xmlns="http://schemas.microsoft.com/sharepoint/v3/contenttype/forms">
+  <Display>DocumentLibraryForm</Display>
+  <Edit>DocumentLibraryForm</Edit>
+  <New>DocumentLibraryForm</New>
+</FormTemplates>
+</file>
+
+<file path=customXml/item3.xml><?xml version="1.0" encoding="utf-8"?>
 <ct:contentTypeSchema xmlns:ct="http://schemas.microsoft.com/office/2006/metadata/contentType" xmlns:ma="http://schemas.microsoft.com/office/2006/metadata/properties/metaAttributes" ct:_="" ma:_="" ma:contentTypeName="Dokument" ma:contentTypeID="0x0101006CC7DBF175EDDB4CB62795E217BC6B28" ma:contentTypeVersion="5" ma:contentTypeDescription="Opprett et nytt dokument." ma:contentTypeScope="" ma:versionID="8cc2e1cd8ed5e3d06dd91de90409297d">
   <xsd:schema xmlns:xsd="http://www.w3.org/2001/XMLSchema" xmlns:xs="http://www.w3.org/2001/XMLSchema" xmlns:p="http://schemas.microsoft.com/office/2006/metadata/properties" xmlns:ns3="b657e3ff-2373-44ab-b220-4a34d78146a3" targetNamespace="http://schemas.microsoft.com/office/2006/metadata/properties" ma:root="true" ma:fieldsID="98c485b3c75fa18eb6466c28261613cc" ns3:_="">
     <xsd:import namespace="b657e3ff-2373-44ab-b220-4a34d78146a3"/>
@@ -6931,22 +6948,31 @@
 </ct:contentTypeSchema>
 </file>
 
-<file path=customXml/item2.xml><?xml version="1.0" encoding="utf-8"?>
-<?mso-contentType ?>
-<FormTemplates xmlns="http://schemas.microsoft.com/sharepoint/v3/contenttype/forms">
-  <Display>DocumentLibraryForm</Display>
-  <Edit>DocumentLibraryForm</Edit>
-  <New>DocumentLibraryForm</New>
-</FormTemplates>
+<file path=customXml/itemProps1.xml><?xml version="1.0" encoding="utf-8"?>
+<ds:datastoreItem xmlns:ds="http://schemas.openxmlformats.org/officeDocument/2006/customXml" ds:itemID="{37CE55D0-9F44-409C-8891-66A0126536B1}">
+  <ds:schemaRefs>
+    <ds:schemaRef ds:uri="http://schemas.microsoft.com/office/2006/documentManagement/types"/>
+    <ds:schemaRef ds:uri="http://schemas.microsoft.com/office/infopath/2007/PartnerControls"/>
+    <ds:schemaRef ds:uri="http://purl.org/dc/elements/1.1/"/>
+    <ds:schemaRef ds:uri="http://purl.org/dc/dcmitype/"/>
+    <ds:schemaRef ds:uri="http://schemas.microsoft.com/office/2006/metadata/properties"/>
+    <ds:schemaRef ds:uri="http://www.w3.org/XML/1998/namespace"/>
+    <ds:schemaRef ds:uri="http://purl.org/dc/terms/"/>
+    <ds:schemaRef ds:uri="http://schemas.openxmlformats.org/package/2006/metadata/core-properties"/>
+    <ds:schemaRef ds:uri="b657e3ff-2373-44ab-b220-4a34d78146a3"/>
+  </ds:schemaRefs>
+</ds:datastoreItem>
 </file>
 
-<file path=customXml/item3.xml><?xml version="1.0" encoding="utf-8"?>
-<p:properties xmlns:p="http://schemas.microsoft.com/office/2006/metadata/properties" xmlns:xsi="http://www.w3.org/2001/XMLSchema-instance" xmlns:pc="http://schemas.microsoft.com/office/infopath/2007/PartnerControls">
-  <documentManagement/>
-</p:properties>
+<file path=customXml/itemProps2.xml><?xml version="1.0" encoding="utf-8"?>
+<ds:datastoreItem xmlns:ds="http://schemas.openxmlformats.org/officeDocument/2006/customXml" ds:itemID="{8176C55A-C0F1-42B5-8B82-E5EF1F8186E9}">
+  <ds:schemaRefs>
+    <ds:schemaRef ds:uri="http://schemas.microsoft.com/sharepoint/v3/contenttype/forms"/>
+  </ds:schemaRefs>
+</ds:datastoreItem>
 </file>
 
-<file path=customXml/itemProps1.xml><?xml version="1.0" encoding="utf-8"?>
+<file path=customXml/itemProps3.xml><?xml version="1.0" encoding="utf-8"?>
 <ds:datastoreItem xmlns:ds="http://schemas.openxmlformats.org/officeDocument/2006/customXml" ds:itemID="{36D7BAC2-8C10-4D23-A51F-ADA19DC01A6A}">
   <ds:schemaRefs>
     <ds:schemaRef ds:uri="http://schemas.microsoft.com/office/2006/metadata/contentType"/>
@@ -6962,28 +6988,4 @@
     <ds:schemaRef ds:uri="http://schemas.microsoft.com/internal/obd"/>
   </ds:schemaRefs>
 </ds:datastoreItem>
-</file>
-
-<file path=customXml/itemProps2.xml><?xml version="1.0" encoding="utf-8"?>
-<ds:datastoreItem xmlns:ds="http://schemas.openxmlformats.org/officeDocument/2006/customXml" ds:itemID="{8176C55A-C0F1-42B5-8B82-E5EF1F8186E9}">
-  <ds:schemaRefs>
-    <ds:schemaRef ds:uri="http://schemas.microsoft.com/sharepoint/v3/contenttype/forms"/>
-  </ds:schemaRefs>
-</ds:datastoreItem>
-</file>
-
-<file path=customXml/itemProps3.xml><?xml version="1.0" encoding="utf-8"?>
-<ds:datastoreItem xmlns:ds="http://schemas.openxmlformats.org/officeDocument/2006/customXml" ds:itemID="{37CE55D0-9F44-409C-8891-66A0126536B1}">
-  <ds:schemaRefs>
-    <ds:schemaRef ds:uri="http://schemas.microsoft.com/office/2006/documentManagement/types"/>
-    <ds:schemaRef ds:uri="http://schemas.microsoft.com/office/infopath/2007/PartnerControls"/>
-    <ds:schemaRef ds:uri="http://purl.org/dc/elements/1.1/"/>
-    <ds:schemaRef ds:uri="http://purl.org/dc/dcmitype/"/>
-    <ds:schemaRef ds:uri="http://schemas.microsoft.com/office/2006/metadata/properties"/>
-    <ds:schemaRef ds:uri="http://www.w3.org/XML/1998/namespace"/>
-    <ds:schemaRef ds:uri="http://purl.org/dc/terms/"/>
-    <ds:schemaRef ds:uri="http://schemas.openxmlformats.org/package/2006/metadata/core-properties"/>
-    <ds:schemaRef ds:uri="b657e3ff-2373-44ab-b220-4a34d78146a3"/>
-  </ds:schemaRefs>
-</ds:datastoreItem>
 </file>
--- a/Pilot2_organisering av prosjektteamet.pptx
+++ b/Pilot2_organisering av prosjektteamet.pptx
@@ -1020,7 +1020,7 @@
       <dgm:spPr/>
     </dgm:pt>
     <dgm:pt modelId="{CAF94807-9361-4A59-B3D8-A7FC3A823868}" type="pres">
-      <dgm:prSet presAssocID="{AD9DCCE2-505B-4966-8B42-4E61D3527B89}" presName="level1Shape" presStyleLbl="node0" presStyleIdx="0" presStyleCnt="1">
+      <dgm:prSet presAssocID="{AD9DCCE2-505B-4966-8B42-4E61D3527B89}" presName="level1Shape" presStyleLbl="node0" presStyleIdx="0" presStyleCnt="1" custLinFactNeighborX="0" custLinFactNeighborY="-4574">
         <dgm:presLayoutVars>
           <dgm:chPref val="3"/>
         </dgm:presLayoutVars>
@@ -1118,7 +1118,7 @@
       </dsp:nvSpPr>
       <dsp:spPr>
         <a:xfrm>
-          <a:off x="1215427" y="544154"/>
+          <a:off x="1215427" y="487184"/>
           <a:ext cx="1868274" cy="1245516"/>
         </a:xfrm>
         <a:prstGeom prst="roundRect">
@@ -1187,7 +1187,7 @@
         </a:p>
       </dsp:txBody>
       <dsp:txXfrm>
-        <a:off x="1251907" y="580634"/>
+        <a:off x="1251907" y="523664"/>
         <a:ext cx="1795314" cy="1172556"/>
       </dsp:txXfrm>
     </dsp:sp>
@@ -1198,8 +1198,8 @@
       </dsp:nvSpPr>
       <dsp:spPr>
         <a:xfrm>
-          <a:off x="935186" y="1789670"/>
-          <a:ext cx="1214378" cy="498206"/>
+          <a:off x="935186" y="1732700"/>
+          <a:ext cx="1214378" cy="555176"/>
         </a:xfrm>
         <a:custGeom>
           <a:avLst/>
@@ -1213,13 +1213,13 @@
                 <a:pt x="1214378" y="0"/>
               </a:moveTo>
               <a:lnTo>
-                <a:pt x="1214378" y="249103"/>
+                <a:pt x="1214378" y="277588"/>
               </a:lnTo>
               <a:lnTo>
-                <a:pt x="0" y="249103"/>
+                <a:pt x="0" y="277588"/>
               </a:lnTo>
               <a:lnTo>
-                <a:pt x="0" y="498206"/>
+                <a:pt x="0" y="555176"/>
               </a:lnTo>
             </a:path>
           </a:pathLst>
@@ -1335,8 +1335,8 @@
       </dsp:nvSpPr>
       <dsp:spPr>
         <a:xfrm>
-          <a:off x="2149565" y="1789670"/>
-          <a:ext cx="1214378" cy="498206"/>
+          <a:off x="2149565" y="1732700"/>
+          <a:ext cx="1214378" cy="555176"/>
         </a:xfrm>
         <a:custGeom>
           <a:avLst/>
@@ -1350,13 +1350,13 @@
                 <a:pt x="0" y="0"/>
               </a:moveTo>
               <a:lnTo>
-                <a:pt x="0" y="249103"/>
+                <a:pt x="0" y="277588"/>
               </a:lnTo>
               <a:lnTo>
-                <a:pt x="1214378" y="249103"/>
+                <a:pt x="1214378" y="277588"/>
               </a:lnTo>
               <a:lnTo>
-                <a:pt x="1214378" y="498206"/>
+                <a:pt x="1214378" y="555176"/>
               </a:lnTo>
             </a:path>
           </a:pathLst>
@@ -6327,8 +6327,8 @@
         </p:nvSpPr>
         <p:spPr>
           <a:xfrm>
-            <a:off x="5926182" y="3988195"/>
-            <a:ext cx="4715692" cy="1384995"/>
+            <a:off x="5973452" y="4048435"/>
+            <a:ext cx="5404701" cy="1384995"/>
           </a:xfrm>
           <a:prstGeom prst="rect">
             <a:avLst/>
@@ -6347,31 +6347,53 @@
           <a:lstStyle/>
           <a:p>
             <a:pPr algn="r"/>
-            <a:r>
-              <a:rPr lang="nb-NO" sz="1400" dirty="0"/>
-              <a:t>Instituttleder</a:t>
-            </a:r>
+            <a:endParaRPr lang="nb-NO" sz="1400" dirty="0">
+              <a:effectLst/>
+              <a:ea typeface="Calibri" panose="020F0502020204030204" pitchFamily="34" charset="0"/>
+            </a:endParaRPr>
           </a:p>
           <a:p>
             <a:pPr algn="r"/>
             <a:r>
-              <a:rPr lang="nb-NO" sz="1400" dirty="0"/>
-              <a:t>Fagressurs</a:t>
+              <a:rPr lang="nb-NO" sz="1400" dirty="0">
+                <a:effectLst/>
+                <a:ea typeface="Calibri" panose="020F0502020204030204" pitchFamily="34" charset="0"/>
+              </a:rPr>
+              <a:t>Hallgrim Hjelmbrekke (Instituttleder)</a:t>
             </a:r>
           </a:p>
           <a:p>
             <a:pPr algn="r"/>
             <a:r>
-              <a:rPr lang="nb-NO" sz="1400" dirty="0"/>
-              <a:t>(1 Ekstern samarbeidspartner)</a:t>
+              <a:rPr lang="nb-NO" sz="1400" dirty="0">
+                <a:effectLst/>
+                <a:ea typeface="Calibri" panose="020F0502020204030204" pitchFamily="34" charset="0"/>
+              </a:rPr>
+              <a:t>Sigbjørn Derås (Overingeniør)</a:t>
             </a:r>
           </a:p>
           <a:p>
             <a:pPr algn="r"/>
-            <a:endParaRPr lang="nb-NO" sz="1400" dirty="0"/>
+            <a:r>
+              <a:rPr lang="nb-NO" sz="1400" dirty="0">
+                <a:effectLst/>
+                <a:ea typeface="Calibri" panose="020F0502020204030204" pitchFamily="34" charset="0"/>
+              </a:rPr>
+              <a:t>Tor Tollnes (Overingeniør)</a:t>
+            </a:r>
+            <a:endParaRPr lang="nb-NO" sz="1400" dirty="0">
+              <a:ea typeface="Calibri" panose="020F0502020204030204" pitchFamily="34" charset="0"/>
+            </a:endParaRPr>
           </a:p>
           <a:p>
             <a:pPr algn="r"/>
+            <a:r>
+              <a:rPr lang="nb-NO" sz="1400" dirty="0">
+                <a:effectLst/>
+                <a:ea typeface="Calibri" panose="020F0502020204030204" pitchFamily="34" charset="0"/>
+              </a:rPr>
+              <a:t>Christian Nordahl Rolfsen (Universitetslektor)</a:t>
+            </a:r>
             <a:endParaRPr lang="nb-NO" sz="1400" dirty="0"/>
           </a:p>
           <a:p>
@@ -6394,8 +6416,8 @@
         </p:nvSpPr>
         <p:spPr>
           <a:xfrm>
-            <a:off x="4467496" y="2272937"/>
-            <a:ext cx="4563292" cy="1169551"/>
+            <a:off x="4398257" y="2259449"/>
+            <a:ext cx="5922415" cy="1384995"/>
           </a:xfrm>
           <a:prstGeom prst="rect">
             <a:avLst/>
@@ -6411,37 +6433,69 @@
           <a:lstStyle/>
           <a:p>
             <a:pPr algn="r"/>
-            <a:r>
-              <a:rPr lang="nb-NO" sz="1400" dirty="0"/>
-              <a:t>Kamalan Rashasingham</a:t>
-            </a:r>
+            <a:endParaRPr lang="nb-NO" sz="1400" dirty="0">
+              <a:effectLst/>
+              <a:ea typeface="Calibri" panose="020F0502020204030204" pitchFamily="34" charset="0"/>
+            </a:endParaRPr>
           </a:p>
           <a:p>
             <a:pPr algn="r"/>
             <a:r>
-              <a:rPr lang="nb-NO" sz="1400" dirty="0"/>
-              <a:t>Sigbjørn</a:t>
+              <a:rPr lang="nb-NO" sz="1400" dirty="0">
+                <a:effectLst/>
+                <a:ea typeface="Calibri" panose="020F0502020204030204" pitchFamily="34" charset="0"/>
+              </a:rPr>
+              <a:t>Kamalan </a:t>
+            </a:r>
+            <a:r>
+              <a:rPr lang="nb-NO" sz="1400" dirty="0" err="1">
+                <a:effectLst/>
+                <a:ea typeface="Calibri" panose="020F0502020204030204" pitchFamily="34" charset="0"/>
+              </a:rPr>
+              <a:t>Rashasingham</a:t>
+            </a:r>
+            <a:r>
+              <a:rPr lang="nb-NO" sz="1400" dirty="0">
+                <a:effectLst/>
+                <a:ea typeface="Calibri" panose="020F0502020204030204" pitchFamily="34" charset="0"/>
+              </a:rPr>
+              <a:t> (Universitetslektor)</a:t>
             </a:r>
           </a:p>
           <a:p>
             <a:pPr algn="r"/>
             <a:r>
-              <a:rPr lang="nb-NO" sz="1400" dirty="0"/>
-              <a:t>Ernst</a:t>
+              <a:rPr lang="nb-NO" sz="1400" dirty="0">
+                <a:effectLst/>
+                <a:ea typeface="Calibri" panose="020F0502020204030204" pitchFamily="34" charset="0"/>
+              </a:rPr>
+              <a:t>Stian Furu (Studentassistent)</a:t>
             </a:r>
           </a:p>
           <a:p>
             <a:pPr algn="r"/>
             <a:r>
-              <a:rPr lang="nb-NO" sz="1400" dirty="0"/>
-              <a:t>Tor</a:t>
+              <a:rPr lang="nb-NO" sz="1400" dirty="0">
+                <a:effectLst/>
+                <a:ea typeface="Calibri" panose="020F0502020204030204" pitchFamily="34" charset="0"/>
+              </a:rPr>
+              <a:t>Ernst Hempel (Overingeniør)</a:t>
             </a:r>
           </a:p>
           <a:p>
             <a:pPr algn="r"/>
-            <a:r>
-              <a:rPr lang="nb-NO" sz="1400"/>
-              <a:t>Stian Furu</a:t>
+            <a:endParaRPr lang="nb-NO" sz="1400" dirty="0">
+              <a:ea typeface="Calibri" panose="020F0502020204030204" pitchFamily="34" charset="0"/>
+            </a:endParaRPr>
+          </a:p>
+          <a:p>
+            <a:pPr algn="r"/>
+            <a:r>
+              <a:rPr lang="nb-NO" sz="1400" dirty="0">
+                <a:effectLst/>
+                <a:ea typeface="Calibri" panose="020F0502020204030204" pitchFamily="34" charset="0"/>
+              </a:rPr>
+              <a:t> </a:t>
             </a:r>
             <a:endParaRPr lang="nb-NO" sz="1400" dirty="0"/>
           </a:p>
@@ -6460,7 +6514,7 @@
           <p:nvPr>
             <p:extLst>
               <p:ext uri="{D42A27DB-BD31-4B8C-83A1-F6EECF244321}">
-                <p14:modId xmlns:p14="http://schemas.microsoft.com/office/powerpoint/2010/main" val="2848927447"/>
+                <p14:modId xmlns:p14="http://schemas.microsoft.com/office/powerpoint/2010/main" val="4173007597"/>
               </p:ext>
             </p:extLst>
           </p:nvPr>
@@ -6784,21 +6838,6 @@
 </file>
 
 <file path=customXml/item1.xml><?xml version="1.0" encoding="utf-8"?>
-<p:properties xmlns:p="http://schemas.microsoft.com/office/2006/metadata/properties" xmlns:xsi="http://www.w3.org/2001/XMLSchema-instance" xmlns:pc="http://schemas.microsoft.com/office/infopath/2007/PartnerControls">
-  <documentManagement/>
-</p:properties>
-</file>
-
-<file path=customXml/item2.xml><?xml version="1.0" encoding="utf-8"?>
-<?mso-contentType ?>
-<FormTemplates xmlns="http://schemas.microsoft.com/sharepoint/v3/contenttype/forms">
-  <Display>DocumentLibraryForm</Display>
-  <Edit>DocumentLibraryForm</Edit>
-  <New>DocumentLibraryForm</New>
-</FormTemplates>
-</file>
-
-<file path=customXml/item3.xml><?xml version="1.0" encoding="utf-8"?>
 <ct:contentTypeSchema xmlns:ct="http://schemas.microsoft.com/office/2006/metadata/contentType" xmlns:ma="http://schemas.microsoft.com/office/2006/metadata/properties/metaAttributes" ct:_="" ma:_="" ma:contentTypeName="Dokument" ma:contentTypeID="0x0101006CC7DBF175EDDB4CB62795E217BC6B28" ma:contentTypeVersion="5" ma:contentTypeDescription="Opprett et nytt dokument." ma:contentTypeScope="" ma:versionID="8cc2e1cd8ed5e3d06dd91de90409297d">
   <xsd:schema xmlns:xsd="http://www.w3.org/2001/XMLSchema" xmlns:xs="http://www.w3.org/2001/XMLSchema" xmlns:p="http://schemas.microsoft.com/office/2006/metadata/properties" xmlns:ns3="b657e3ff-2373-44ab-b220-4a34d78146a3" targetNamespace="http://schemas.microsoft.com/office/2006/metadata/properties" ma:root="true" ma:fieldsID="98c485b3c75fa18eb6466c28261613cc" ns3:_="">
     <xsd:import namespace="b657e3ff-2373-44ab-b220-4a34d78146a3"/>
@@ -6948,31 +6987,22 @@
 </ct:contentTypeSchema>
 </file>
 
-<file path=customXml/itemProps1.xml><?xml version="1.0" encoding="utf-8"?>
-<ds:datastoreItem xmlns:ds="http://schemas.openxmlformats.org/officeDocument/2006/customXml" ds:itemID="{37CE55D0-9F44-409C-8891-66A0126536B1}">
-  <ds:schemaRefs>
-    <ds:schemaRef ds:uri="http://schemas.microsoft.com/office/2006/documentManagement/types"/>
-    <ds:schemaRef ds:uri="http://schemas.microsoft.com/office/infopath/2007/PartnerControls"/>
-    <ds:schemaRef ds:uri="http://purl.org/dc/elements/1.1/"/>
-    <ds:schemaRef ds:uri="http://purl.org/dc/dcmitype/"/>
-    <ds:schemaRef ds:uri="http://schemas.microsoft.com/office/2006/metadata/properties"/>
-    <ds:schemaRef ds:uri="http://www.w3.org/XML/1998/namespace"/>
-    <ds:schemaRef ds:uri="http://purl.org/dc/terms/"/>
-    <ds:schemaRef ds:uri="http://schemas.openxmlformats.org/package/2006/metadata/core-properties"/>
-    <ds:schemaRef ds:uri="b657e3ff-2373-44ab-b220-4a34d78146a3"/>
-  </ds:schemaRefs>
-</ds:datastoreItem>
+<file path=customXml/item2.xml><?xml version="1.0" encoding="utf-8"?>
+<?mso-contentType ?>
+<FormTemplates xmlns="http://schemas.microsoft.com/sharepoint/v3/contenttype/forms">
+  <Display>DocumentLibraryForm</Display>
+  <Edit>DocumentLibraryForm</Edit>
+  <New>DocumentLibraryForm</New>
+</FormTemplates>
 </file>
 
-<file path=customXml/itemProps2.xml><?xml version="1.0" encoding="utf-8"?>
-<ds:datastoreItem xmlns:ds="http://schemas.openxmlformats.org/officeDocument/2006/customXml" ds:itemID="{8176C55A-C0F1-42B5-8B82-E5EF1F8186E9}">
-  <ds:schemaRefs>
-    <ds:schemaRef ds:uri="http://schemas.microsoft.com/sharepoint/v3/contenttype/forms"/>
-  </ds:schemaRefs>
-</ds:datastoreItem>
+<file path=customXml/item3.xml><?xml version="1.0" encoding="utf-8"?>
+<p:properties xmlns:p="http://schemas.microsoft.com/office/2006/metadata/properties" xmlns:xsi="http://www.w3.org/2001/XMLSchema-instance" xmlns:pc="http://schemas.microsoft.com/office/infopath/2007/PartnerControls">
+  <documentManagement/>
+</p:properties>
 </file>
 
-<file path=customXml/itemProps3.xml><?xml version="1.0" encoding="utf-8"?>
+<file path=customXml/itemProps1.xml><?xml version="1.0" encoding="utf-8"?>
 <ds:datastoreItem xmlns:ds="http://schemas.openxmlformats.org/officeDocument/2006/customXml" ds:itemID="{36D7BAC2-8C10-4D23-A51F-ADA19DC01A6A}">
   <ds:schemaRefs>
     <ds:schemaRef ds:uri="http://schemas.microsoft.com/office/2006/metadata/contentType"/>
@@ -6988,4 +7018,28 @@
     <ds:schemaRef ds:uri="http://schemas.microsoft.com/internal/obd"/>
   </ds:schemaRefs>
 </ds:datastoreItem>
+</file>
+
+<file path=customXml/itemProps2.xml><?xml version="1.0" encoding="utf-8"?>
+<ds:datastoreItem xmlns:ds="http://schemas.openxmlformats.org/officeDocument/2006/customXml" ds:itemID="{8176C55A-C0F1-42B5-8B82-E5EF1F8186E9}">
+  <ds:schemaRefs>
+    <ds:schemaRef ds:uri="http://schemas.microsoft.com/sharepoint/v3/contenttype/forms"/>
+  </ds:schemaRefs>
+</ds:datastoreItem>
+</file>
+
+<file path=customXml/itemProps3.xml><?xml version="1.0" encoding="utf-8"?>
+<ds:datastoreItem xmlns:ds="http://schemas.openxmlformats.org/officeDocument/2006/customXml" ds:itemID="{37CE55D0-9F44-409C-8891-66A0126536B1}">
+  <ds:schemaRefs>
+    <ds:schemaRef ds:uri="http://schemas.microsoft.com/office/2006/documentManagement/types"/>
+    <ds:schemaRef ds:uri="http://schemas.microsoft.com/office/infopath/2007/PartnerControls"/>
+    <ds:schemaRef ds:uri="http://purl.org/dc/elements/1.1/"/>
+    <ds:schemaRef ds:uri="http://purl.org/dc/dcmitype/"/>
+    <ds:schemaRef ds:uri="http://schemas.microsoft.com/office/2006/metadata/properties"/>
+    <ds:schemaRef ds:uri="http://www.w3.org/XML/1998/namespace"/>
+    <ds:schemaRef ds:uri="http://purl.org/dc/terms/"/>
+    <ds:schemaRef ds:uri="http://schemas.openxmlformats.org/package/2006/metadata/core-properties"/>
+    <ds:schemaRef ds:uri="b657e3ff-2373-44ab-b220-4a34d78146a3"/>
+  </ds:schemaRefs>
+</ds:datastoreItem>
 </file>
--- a/Pilot2_organisering av prosjektteamet.pptx
+++ b/Pilot2_organisering av prosjektteamet.pptx
@@ -1040,7 +1040,7 @@
       <dgm:spPr/>
     </dgm:pt>
     <dgm:pt modelId="{A1D0AEE4-778C-4D63-A82D-493A5197A451}" type="pres">
-      <dgm:prSet presAssocID="{DC7D824B-DFBC-4E84-9700-B0BDF5F36392}" presName="level2Shape" presStyleLbl="node2" presStyleIdx="0" presStyleCnt="2"/>
+      <dgm:prSet presAssocID="{DC7D824B-DFBC-4E84-9700-B0BDF5F36392}" presName="level2Shape" presStyleLbl="node2" presStyleIdx="0" presStyleCnt="2" custLinFactNeighborX="1009" custLinFactNeighborY="2218"/>
       <dgm:spPr/>
     </dgm:pt>
     <dgm:pt modelId="{72DFAD22-B520-4B4E-9A5C-1A424B2B4896}" type="pres">
@@ -1056,7 +1056,7 @@
       <dgm:spPr/>
     </dgm:pt>
     <dgm:pt modelId="{FEC4A9EC-2500-4B3C-B6ED-3D5FBA0B964F}" type="pres">
-      <dgm:prSet presAssocID="{D53F776A-5FAB-43AD-9832-645448B3CD2B}" presName="level2Shape" presStyleLbl="node2" presStyleIdx="1" presStyleCnt="2"/>
+      <dgm:prSet presAssocID="{D53F776A-5FAB-43AD-9832-645448B3CD2B}" presName="level2Shape" presStyleLbl="node2" presStyleIdx="1" presStyleCnt="2" custLinFactNeighborX="4034" custLinFactNeighborY="2218"/>
       <dgm:spPr/>
     </dgm:pt>
     <dgm:pt modelId="{BF2CC0CC-3674-42C3-A071-F1A8086EA7E2}" type="pres">
@@ -1198,8 +1198,8 @@
       </dsp:nvSpPr>
       <dsp:spPr>
         <a:xfrm>
-          <a:off x="935186" y="1732700"/>
-          <a:ext cx="1214378" cy="555176"/>
+          <a:off x="954037" y="1732700"/>
+          <a:ext cx="1195527" cy="582801"/>
         </a:xfrm>
         <a:custGeom>
           <a:avLst/>
@@ -1210,16 +1210,16 @@
           <a:pathLst>
             <a:path>
               <a:moveTo>
-                <a:pt x="1214378" y="0"/>
+                <a:pt x="1195527" y="0"/>
               </a:moveTo>
               <a:lnTo>
-                <a:pt x="1214378" y="277588"/>
+                <a:pt x="1195527" y="291400"/>
               </a:lnTo>
               <a:lnTo>
-                <a:pt x="0" y="277588"/>
+                <a:pt x="0" y="291400"/>
               </a:lnTo>
               <a:lnTo>
-                <a:pt x="0" y="555176"/>
+                <a:pt x="0" y="582801"/>
               </a:lnTo>
             </a:path>
           </a:pathLst>
@@ -1260,7 +1260,7 @@
       </dsp:nvSpPr>
       <dsp:spPr>
         <a:xfrm>
-          <a:off x="1049" y="2287876"/>
+          <a:off x="19900" y="2315502"/>
           <a:ext cx="1868274" cy="1245516"/>
         </a:xfrm>
         <a:prstGeom prst="roundRect">
@@ -1324,7 +1324,7 @@
         </a:p>
       </dsp:txBody>
       <dsp:txXfrm>
-        <a:off x="37529" y="2324356"/>
+        <a:off x="56380" y="2351982"/>
         <a:ext cx="1795314" cy="1172556"/>
       </dsp:txXfrm>
     </dsp:sp>
@@ -1336,7 +1336,7 @@
       <dsp:spPr>
         <a:xfrm>
           <a:off x="2149565" y="1732700"/>
-          <a:ext cx="1214378" cy="555176"/>
+          <a:ext cx="1215427" cy="582801"/>
         </a:xfrm>
         <a:custGeom>
           <a:avLst/>
@@ -1350,13 +1350,13 @@
                 <a:pt x="0" y="0"/>
               </a:moveTo>
               <a:lnTo>
-                <a:pt x="0" y="277588"/>
+                <a:pt x="0" y="291400"/>
               </a:lnTo>
               <a:lnTo>
-                <a:pt x="1214378" y="277588"/>
+                <a:pt x="1215427" y="291400"/>
               </a:lnTo>
               <a:lnTo>
-                <a:pt x="1214378" y="555176"/>
+                <a:pt x="1215427" y="582801"/>
               </a:lnTo>
             </a:path>
           </a:pathLst>
@@ -1397,7 +1397,7 @@
       </dsp:nvSpPr>
       <dsp:spPr>
         <a:xfrm>
-          <a:off x="2429806" y="2287876"/>
+          <a:off x="2430855" y="2315502"/>
           <a:ext cx="1868274" cy="1245516"/>
         </a:xfrm>
         <a:prstGeom prst="roundRect">
@@ -1461,7 +1461,7 @@
         </a:p>
       </dsp:txBody>
       <dsp:txXfrm>
-        <a:off x="2466286" y="2324356"/>
+        <a:off x="2467335" y="2351982"/>
         <a:ext cx="1795314" cy="1172556"/>
       </dsp:txXfrm>
     </dsp:sp>
@@ -3163,7 +3163,7 @@
           <a:p>
             <a:fld id="{F52D2517-354E-45E0-A500-9BBCE3F9F131}" type="datetimeFigureOut">
               <a:rPr lang="nb-NO" smtClean="0"/>
-              <a:t>02.08.2021</a:t>
+              <a:t>05.08.2021</a:t>
             </a:fld>
             <a:endParaRPr lang="nb-NO"/>
           </a:p>
@@ -3363,7 +3363,7 @@
           <a:p>
             <a:fld id="{F52D2517-354E-45E0-A500-9BBCE3F9F131}" type="datetimeFigureOut">
               <a:rPr lang="nb-NO" smtClean="0"/>
-              <a:t>02.08.2021</a:t>
+              <a:t>05.08.2021</a:t>
             </a:fld>
             <a:endParaRPr lang="nb-NO"/>
           </a:p>
@@ -3573,7 +3573,7 @@
           <a:p>
             <a:fld id="{F52D2517-354E-45E0-A500-9BBCE3F9F131}" type="datetimeFigureOut">
               <a:rPr lang="nb-NO" smtClean="0"/>
-              <a:t>02.08.2021</a:t>
+              <a:t>05.08.2021</a:t>
             </a:fld>
             <a:endParaRPr lang="nb-NO"/>
           </a:p>
@@ -3773,7 +3773,7 @@
           <a:p>
             <a:fld id="{F52D2517-354E-45E0-A500-9BBCE3F9F131}" type="datetimeFigureOut">
               <a:rPr lang="nb-NO" smtClean="0"/>
-              <a:t>02.08.2021</a:t>
+              <a:t>05.08.2021</a:t>
             </a:fld>
             <a:endParaRPr lang="nb-NO"/>
           </a:p>
@@ -4049,7 +4049,7 @@
           <a:p>
             <a:fld id="{F52D2517-354E-45E0-A500-9BBCE3F9F131}" type="datetimeFigureOut">
               <a:rPr lang="nb-NO" smtClean="0"/>
-              <a:t>02.08.2021</a:t>
+              <a:t>05.08.2021</a:t>
             </a:fld>
             <a:endParaRPr lang="nb-NO"/>
           </a:p>
@@ -4317,7 +4317,7 @@
           <a:p>
             <a:fld id="{F52D2517-354E-45E0-A500-9BBCE3F9F131}" type="datetimeFigureOut">
               <a:rPr lang="nb-NO" smtClean="0"/>
-              <a:t>02.08.2021</a:t>
+              <a:t>05.08.2021</a:t>
             </a:fld>
             <a:endParaRPr lang="nb-NO"/>
           </a:p>
@@ -4732,7 +4732,7 @@
           <a:p>
             <a:fld id="{F52D2517-354E-45E0-A500-9BBCE3F9F131}" type="datetimeFigureOut">
               <a:rPr lang="nb-NO" smtClean="0"/>
-              <a:t>02.08.2021</a:t>
+              <a:t>05.08.2021</a:t>
             </a:fld>
             <a:endParaRPr lang="nb-NO"/>
           </a:p>
@@ -4874,7 +4874,7 @@
           <a:p>
             <a:fld id="{F52D2517-354E-45E0-A500-9BBCE3F9F131}" type="datetimeFigureOut">
               <a:rPr lang="nb-NO" smtClean="0"/>
-              <a:t>02.08.2021</a:t>
+              <a:t>05.08.2021</a:t>
             </a:fld>
             <a:endParaRPr lang="nb-NO"/>
           </a:p>
@@ -4987,7 +4987,7 @@
           <a:p>
             <a:fld id="{F52D2517-354E-45E0-A500-9BBCE3F9F131}" type="datetimeFigureOut">
               <a:rPr lang="nb-NO" smtClean="0"/>
-              <a:t>02.08.2021</a:t>
+              <a:t>05.08.2021</a:t>
             </a:fld>
             <a:endParaRPr lang="nb-NO"/>
           </a:p>
@@ -5300,7 +5300,7 @@
           <a:p>
             <a:fld id="{F52D2517-354E-45E0-A500-9BBCE3F9F131}" type="datetimeFigureOut">
               <a:rPr lang="nb-NO" smtClean="0"/>
-              <a:t>02.08.2021</a:t>
+              <a:t>05.08.2021</a:t>
             </a:fld>
             <a:endParaRPr lang="nb-NO"/>
           </a:p>
@@ -5589,7 +5589,7 @@
           <a:p>
             <a:fld id="{F52D2517-354E-45E0-A500-9BBCE3F9F131}" type="datetimeFigureOut">
               <a:rPr lang="nb-NO" smtClean="0"/>
-              <a:t>02.08.2021</a:t>
+              <a:t>05.08.2021</a:t>
             </a:fld>
             <a:endParaRPr lang="nb-NO"/>
           </a:p>
@@ -5832,7 +5832,7 @@
           <a:p>
             <a:fld id="{F52D2517-354E-45E0-A500-9BBCE3F9F131}" type="datetimeFigureOut">
               <a:rPr lang="nb-NO" smtClean="0"/>
-              <a:t>02.08.2021</a:t>
+              <a:t>05.08.2021</a:t>
             </a:fld>
             <a:endParaRPr lang="nb-NO"/>
           </a:p>
@@ -6263,8 +6263,8 @@
         </p:nvSpPr>
         <p:spPr>
           <a:xfrm>
-            <a:off x="1177109" y="3988195"/>
-            <a:ext cx="4563292" cy="1384995"/>
+            <a:off x="622168" y="4048434"/>
+            <a:ext cx="4939123" cy="1384995"/>
           </a:xfrm>
           <a:prstGeom prst="rect">
             <a:avLst/>
@@ -6306,7 +6306,26 @@
             </a:r>
           </a:p>
           <a:p>
-            <a:endParaRPr lang="nb-NO" sz="1400" dirty="0"/>
+            <a:r>
+              <a:rPr lang="nb-NO" sz="1400" dirty="0"/>
+              <a:t>Vidar </a:t>
+            </a:r>
+            <a:r>
+              <a:rPr lang="nb-NO" sz="1400" dirty="0" err="1"/>
+              <a:t>Luth</a:t>
+            </a:r>
+            <a:r>
+              <a:rPr lang="nb-NO" sz="1400" dirty="0"/>
+              <a:t> Hansen </a:t>
+            </a:r>
+            <a:r>
+              <a:rPr lang="nb-NO" sz="1400"/>
+              <a:t>(Universitetslektor</a:t>
+            </a:r>
+            <a:r>
+              <a:rPr lang="nb-NO" sz="1400" dirty="0"/>
+              <a:t>)</a:t>
+            </a:r>
           </a:p>
           <a:p>
             <a:endParaRPr lang="nb-NO" sz="1400" dirty="0"/>
@@ -6514,7 +6533,7 @@
           <p:nvPr>
             <p:extLst>
               <p:ext uri="{D42A27DB-BD31-4B8C-83A1-F6EECF244321}">
-                <p14:modId xmlns:p14="http://schemas.microsoft.com/office/powerpoint/2010/main" val="4173007597"/>
+                <p14:modId xmlns:p14="http://schemas.microsoft.com/office/powerpoint/2010/main" val="2108837637"/>
               </p:ext>
             </p:extLst>
           </p:nvPr>
@@ -6838,6 +6857,21 @@
 </file>
 
 <file path=customXml/item1.xml><?xml version="1.0" encoding="utf-8"?>
+<p:properties xmlns:p="http://schemas.microsoft.com/office/2006/metadata/properties" xmlns:xsi="http://www.w3.org/2001/XMLSchema-instance" xmlns:pc="http://schemas.microsoft.com/office/infopath/2007/PartnerControls">
+  <documentManagement/>
+</p:properties>
+</file>
+
+<file path=customXml/item2.xml><?xml version="1.0" encoding="utf-8"?>
+<?mso-contentType ?>
+<FormTemplates xmlns="http://schemas.microsoft.com/sharepoint/v3/contenttype/forms">
+  <Display>DocumentLibraryForm</Display>
+  <Edit>DocumentLibraryForm</Edit>
+  <New>DocumentLibraryForm</New>
+</FormTemplates>
+</file>
+
+<file path=customXml/item3.xml><?xml version="1.0" encoding="utf-8"?>
 <ct:contentTypeSchema xmlns:ct="http://schemas.microsoft.com/office/2006/metadata/contentType" xmlns:ma="http://schemas.microsoft.com/office/2006/metadata/properties/metaAttributes" ct:_="" ma:_="" ma:contentTypeName="Dokument" ma:contentTypeID="0x0101006CC7DBF175EDDB4CB62795E217BC6B28" ma:contentTypeVersion="5" ma:contentTypeDescription="Opprett et nytt dokument." ma:contentTypeScope="" ma:versionID="8cc2e1cd8ed5e3d06dd91de90409297d">
   <xsd:schema xmlns:xsd="http://www.w3.org/2001/XMLSchema" xmlns:xs="http://www.w3.org/2001/XMLSchema" xmlns:p="http://schemas.microsoft.com/office/2006/metadata/properties" xmlns:ns3="b657e3ff-2373-44ab-b220-4a34d78146a3" targetNamespace="http://schemas.microsoft.com/office/2006/metadata/properties" ma:root="true" ma:fieldsID="98c485b3c75fa18eb6466c28261613cc" ns3:_="">
     <xsd:import namespace="b657e3ff-2373-44ab-b220-4a34d78146a3"/>
@@ -6987,22 +7021,31 @@
 </ct:contentTypeSchema>
 </file>
 
-<file path=customXml/item2.xml><?xml version="1.0" encoding="utf-8"?>
-<?mso-contentType ?>
-<FormTemplates xmlns="http://schemas.microsoft.com/sharepoint/v3/contenttype/forms">
-  <Display>DocumentLibraryForm</Display>
-  <Edit>DocumentLibraryForm</Edit>
-  <New>DocumentLibraryForm</New>
-</FormTemplates>
+<file path=customXml/itemProps1.xml><?xml version="1.0" encoding="utf-8"?>
+<ds:datastoreItem xmlns:ds="http://schemas.openxmlformats.org/officeDocument/2006/customXml" ds:itemID="{37CE55D0-9F44-409C-8891-66A0126536B1}">
+  <ds:schemaRefs>
+    <ds:schemaRef ds:uri="http://schemas.microsoft.com/office/2006/documentManagement/types"/>
+    <ds:schemaRef ds:uri="http://schemas.microsoft.com/office/infopath/2007/PartnerControls"/>
+    <ds:schemaRef ds:uri="http://purl.org/dc/elements/1.1/"/>
+    <ds:schemaRef ds:uri="http://purl.org/dc/dcmitype/"/>
+    <ds:schemaRef ds:uri="http://schemas.microsoft.com/office/2006/metadata/properties"/>
+    <ds:schemaRef ds:uri="http://www.w3.org/XML/1998/namespace"/>
+    <ds:schemaRef ds:uri="http://purl.org/dc/terms/"/>
+    <ds:schemaRef ds:uri="http://schemas.openxmlformats.org/package/2006/metadata/core-properties"/>
+    <ds:schemaRef ds:uri="b657e3ff-2373-44ab-b220-4a34d78146a3"/>
+  </ds:schemaRefs>
+</ds:datastoreItem>
 </file>
 
-<file path=customXml/item3.xml><?xml version="1.0" encoding="utf-8"?>
-<p:properties xmlns:p="http://schemas.microsoft.com/office/2006/metadata/properties" xmlns:xsi="http://www.w3.org/2001/XMLSchema-instance" xmlns:pc="http://schemas.microsoft.com/office/infopath/2007/PartnerControls">
-  <documentManagement/>
-</p:properties>
+<file path=customXml/itemProps2.xml><?xml version="1.0" encoding="utf-8"?>
+<ds:datastoreItem xmlns:ds="http://schemas.openxmlformats.org/officeDocument/2006/customXml" ds:itemID="{8176C55A-C0F1-42B5-8B82-E5EF1F8186E9}">
+  <ds:schemaRefs>
+    <ds:schemaRef ds:uri="http://schemas.microsoft.com/sharepoint/v3/contenttype/forms"/>
+  </ds:schemaRefs>
+</ds:datastoreItem>
 </file>
 
-<file path=customXml/itemProps1.xml><?xml version="1.0" encoding="utf-8"?>
+<file path=customXml/itemProps3.xml><?xml version="1.0" encoding="utf-8"?>
 <ds:datastoreItem xmlns:ds="http://schemas.openxmlformats.org/officeDocument/2006/customXml" ds:itemID="{36D7BAC2-8C10-4D23-A51F-ADA19DC01A6A}">
   <ds:schemaRefs>
     <ds:schemaRef ds:uri="http://schemas.microsoft.com/office/2006/metadata/contentType"/>
@@ -7018,28 +7061,4 @@
     <ds:schemaRef ds:uri="http://schemas.microsoft.com/internal/obd"/>
   </ds:schemaRefs>
 </ds:datastoreItem>
-</file>
-
-<file path=customXml/itemProps2.xml><?xml version="1.0" encoding="utf-8"?>
-<ds:datastoreItem xmlns:ds="http://schemas.openxmlformats.org/officeDocument/2006/customXml" ds:itemID="{8176C55A-C0F1-42B5-8B82-E5EF1F8186E9}">
-  <ds:schemaRefs>
-    <ds:schemaRef ds:uri="http://schemas.microsoft.com/sharepoint/v3/contenttype/forms"/>
-  </ds:schemaRefs>
-</ds:datastoreItem>
-</file>
-
-<file path=customXml/itemProps3.xml><?xml version="1.0" encoding="utf-8"?>
-<ds:datastoreItem xmlns:ds="http://schemas.openxmlformats.org/officeDocument/2006/customXml" ds:itemID="{37CE55D0-9F44-409C-8891-66A0126536B1}">
-  <ds:schemaRefs>
-    <ds:schemaRef ds:uri="http://schemas.microsoft.com/office/2006/documentManagement/types"/>
-    <ds:schemaRef ds:uri="http://schemas.microsoft.com/office/infopath/2007/PartnerControls"/>
-    <ds:schemaRef ds:uri="http://purl.org/dc/elements/1.1/"/>
-    <ds:schemaRef ds:uri="http://purl.org/dc/dcmitype/"/>
-    <ds:schemaRef ds:uri="http://schemas.microsoft.com/office/2006/metadata/properties"/>
-    <ds:schemaRef ds:uri="http://www.w3.org/XML/1998/namespace"/>
-    <ds:schemaRef ds:uri="http://purl.org/dc/terms/"/>
-    <ds:schemaRef ds:uri="http://schemas.openxmlformats.org/package/2006/metadata/core-properties"/>
-    <ds:schemaRef ds:uri="b657e3ff-2373-44ab-b220-4a34d78146a3"/>
-  </ds:schemaRefs>
-</ds:datastoreItem>
 </file>
--- a/Pilot2_organisering av prosjektteamet.pptx
+++ b/Pilot2_organisering av prosjektteamet.pptx
@@ -3163,7 +3163,7 @@
           <a:p>
             <a:fld id="{F52D2517-354E-45E0-A500-9BBCE3F9F131}" type="datetimeFigureOut">
               <a:rPr lang="nb-NO" smtClean="0"/>
-              <a:t>05.08.2021</a:t>
+              <a:t>09.08.2021</a:t>
             </a:fld>
             <a:endParaRPr lang="nb-NO"/>
           </a:p>
@@ -3363,7 +3363,7 @@
           <a:p>
             <a:fld id="{F52D2517-354E-45E0-A500-9BBCE3F9F131}" type="datetimeFigureOut">
               <a:rPr lang="nb-NO" smtClean="0"/>
-              <a:t>05.08.2021</a:t>
+              <a:t>09.08.2021</a:t>
             </a:fld>
             <a:endParaRPr lang="nb-NO"/>
           </a:p>
@@ -3573,7 +3573,7 @@
           <a:p>
             <a:fld id="{F52D2517-354E-45E0-A500-9BBCE3F9F131}" type="datetimeFigureOut">
               <a:rPr lang="nb-NO" smtClean="0"/>
-              <a:t>05.08.2021</a:t>
+              <a:t>09.08.2021</a:t>
             </a:fld>
             <a:endParaRPr lang="nb-NO"/>
           </a:p>
@@ -3773,7 +3773,7 @@
           <a:p>
             <a:fld id="{F52D2517-354E-45E0-A500-9BBCE3F9F131}" type="datetimeFigureOut">
               <a:rPr lang="nb-NO" smtClean="0"/>
-              <a:t>05.08.2021</a:t>
+              <a:t>09.08.2021</a:t>
             </a:fld>
             <a:endParaRPr lang="nb-NO"/>
           </a:p>
@@ -4049,7 +4049,7 @@
           <a:p>
             <a:fld id="{F52D2517-354E-45E0-A500-9BBCE3F9F131}" type="datetimeFigureOut">
               <a:rPr lang="nb-NO" smtClean="0"/>
-              <a:t>05.08.2021</a:t>
+              <a:t>09.08.2021</a:t>
             </a:fld>
             <a:endParaRPr lang="nb-NO"/>
           </a:p>
@@ -4317,7 +4317,7 @@
           <a:p>
             <a:fld id="{F52D2517-354E-45E0-A500-9BBCE3F9F131}" type="datetimeFigureOut">
               <a:rPr lang="nb-NO" smtClean="0"/>
-              <a:t>05.08.2021</a:t>
+              <a:t>09.08.2021</a:t>
             </a:fld>
             <a:endParaRPr lang="nb-NO"/>
           </a:p>
@@ -4732,7 +4732,7 @@
           <a:p>
             <a:fld id="{F52D2517-354E-45E0-A500-9BBCE3F9F131}" type="datetimeFigureOut">
               <a:rPr lang="nb-NO" smtClean="0"/>
-              <a:t>05.08.2021</a:t>
+              <a:t>09.08.2021</a:t>
             </a:fld>
             <a:endParaRPr lang="nb-NO"/>
           </a:p>
@@ -4874,7 +4874,7 @@
           <a:p>
             <a:fld id="{F52D2517-354E-45E0-A500-9BBCE3F9F131}" type="datetimeFigureOut">
               <a:rPr lang="nb-NO" smtClean="0"/>
-              <a:t>05.08.2021</a:t>
+              <a:t>09.08.2021</a:t>
             </a:fld>
             <a:endParaRPr lang="nb-NO"/>
           </a:p>
@@ -4987,7 +4987,7 @@
           <a:p>
             <a:fld id="{F52D2517-354E-45E0-A500-9BBCE3F9F131}" type="datetimeFigureOut">
               <a:rPr lang="nb-NO" smtClean="0"/>
-              <a:t>05.08.2021</a:t>
+              <a:t>09.08.2021</a:t>
             </a:fld>
             <a:endParaRPr lang="nb-NO"/>
           </a:p>
@@ -5300,7 +5300,7 @@
           <a:p>
             <a:fld id="{F52D2517-354E-45E0-A500-9BBCE3F9F131}" type="datetimeFigureOut">
               <a:rPr lang="nb-NO" smtClean="0"/>
-              <a:t>05.08.2021</a:t>
+              <a:t>09.08.2021</a:t>
             </a:fld>
             <a:endParaRPr lang="nb-NO"/>
           </a:p>
@@ -5589,7 +5589,7 @@
           <a:p>
             <a:fld id="{F52D2517-354E-45E0-A500-9BBCE3F9F131}" type="datetimeFigureOut">
               <a:rPr lang="nb-NO" smtClean="0"/>
-              <a:t>05.08.2021</a:t>
+              <a:t>09.08.2021</a:t>
             </a:fld>
             <a:endParaRPr lang="nb-NO"/>
           </a:p>
@@ -5832,7 +5832,7 @@
           <a:p>
             <a:fld id="{F52D2517-354E-45E0-A500-9BBCE3F9F131}" type="datetimeFigureOut">
               <a:rPr lang="nb-NO" smtClean="0"/>
-              <a:t>05.08.2021</a:t>
+              <a:t>09.08.2021</a:t>
             </a:fld>
             <a:endParaRPr lang="nb-NO"/>
           </a:p>
@@ -6282,28 +6282,7 @@
           </a:bodyPr>
           <a:lstStyle/>
           <a:p>
-            <a:r>
-              <a:rPr lang="nb-NO" sz="1400" dirty="0"/>
-              <a:t>1 student</a:t>
-            </a:r>
-          </a:p>
-          <a:p>
-            <a:r>
-              <a:rPr lang="nb-NO" sz="1400" dirty="0"/>
-              <a:t>1 Fagressurs</a:t>
-            </a:r>
-          </a:p>
-          <a:p>
-            <a:r>
-              <a:rPr lang="nb-NO" sz="1400" dirty="0"/>
-              <a:t>(1 Ekstern samarbeidspartner)</a:t>
-            </a:r>
-          </a:p>
-          <a:p>
-            <a:r>
-              <a:rPr lang="nb-NO" sz="1400" dirty="0"/>
-              <a:t>1 professor</a:t>
-            </a:r>
+            <a:endParaRPr lang="nb-NO" sz="1400" dirty="0"/>
           </a:p>
           <a:p>
             <a:r>
@@ -6316,16 +6295,28 @@
             </a:r>
             <a:r>
               <a:rPr lang="nb-NO" sz="1400" dirty="0"/>
-              <a:t> Hansen </a:t>
-            </a:r>
-            <a:r>
-              <a:rPr lang="nb-NO" sz="1400"/>
-              <a:t>(Universitetslektor</a:t>
-            </a:r>
+              <a:t> Hansen (Universitetslektor)</a:t>
+            </a:r>
+          </a:p>
+          <a:p>
             <a:r>
               <a:rPr lang="nb-NO" sz="1400" dirty="0"/>
-              <a:t>)</a:t>
-            </a:r>
+              <a:t>Daniel Amin </a:t>
+            </a:r>
+            <a:r>
+              <a:rPr lang="nb-NO" sz="1400" dirty="0" err="1"/>
+              <a:t>Haddadi</a:t>
+            </a:r>
+            <a:r>
+              <a:rPr lang="nb-NO" sz="1400" dirty="0"/>
+              <a:t> (Prosjektleder)</a:t>
+            </a:r>
+          </a:p>
+          <a:p>
+            <a:endParaRPr lang="nb-NO" sz="1400" dirty="0"/>
+          </a:p>
+          <a:p>
+            <a:endParaRPr lang="nb-NO" sz="1400" dirty="0"/>
           </a:p>
           <a:p>
             <a:endParaRPr lang="nb-NO" sz="1400" dirty="0"/>
@@ -6378,16 +6369,6 @@
                 <a:effectLst/>
                 <a:ea typeface="Calibri" panose="020F0502020204030204" pitchFamily="34" charset="0"/>
               </a:rPr>
-              <a:t>Hallgrim Hjelmbrekke (Instituttleder)</a:t>
-            </a:r>
-          </a:p>
-          <a:p>
-            <a:pPr algn="r"/>
-            <a:r>
-              <a:rPr lang="nb-NO" sz="1400" dirty="0">
-                <a:effectLst/>
-                <a:ea typeface="Calibri" panose="020F0502020204030204" pitchFamily="34" charset="0"/>
-              </a:rPr>
               <a:t>Sigbjørn Derås (Overingeniør)</a:t>
             </a:r>
           </a:p>
@@ -6413,6 +6394,9 @@
               </a:rPr>
               <a:t>Christian Nordahl Rolfsen (Universitetslektor)</a:t>
             </a:r>
+          </a:p>
+          <a:p>
+            <a:pPr algn="r"/>
             <a:endParaRPr lang="nb-NO" sz="1400" dirty="0"/>
           </a:p>
           <a:p>
@@ -6435,7 +6419,7 @@
         </p:nvSpPr>
         <p:spPr>
           <a:xfrm>
-            <a:off x="4398257" y="2259449"/>
+            <a:off x="4426537" y="2233056"/>
             <a:ext cx="5922415" cy="1384995"/>
           </a:xfrm>
           <a:prstGeom prst="rect">
@@ -6857,21 +6841,6 @@
 </file>
 
 <file path=customXml/item1.xml><?xml version="1.0" encoding="utf-8"?>
-<p:properties xmlns:p="http://schemas.microsoft.com/office/2006/metadata/properties" xmlns:xsi="http://www.w3.org/2001/XMLSchema-instance" xmlns:pc="http://schemas.microsoft.com/office/infopath/2007/PartnerControls">
-  <documentManagement/>
-</p:properties>
-</file>
-
-<file path=customXml/item2.xml><?xml version="1.0" encoding="utf-8"?>
-<?mso-contentType ?>
-<FormTemplates xmlns="http://schemas.microsoft.com/sharepoint/v3/contenttype/forms">
-  <Display>DocumentLibraryForm</Display>
-  <Edit>DocumentLibraryForm</Edit>
-  <New>DocumentLibraryForm</New>
-</FormTemplates>
-</file>
-
-<file path=customXml/item3.xml><?xml version="1.0" encoding="utf-8"?>
 <ct:contentTypeSchema xmlns:ct="http://schemas.microsoft.com/office/2006/metadata/contentType" xmlns:ma="http://schemas.microsoft.com/office/2006/metadata/properties/metaAttributes" ct:_="" ma:_="" ma:contentTypeName="Dokument" ma:contentTypeID="0x0101006CC7DBF175EDDB4CB62795E217BC6B28" ma:contentTypeVersion="5" ma:contentTypeDescription="Opprett et nytt dokument." ma:contentTypeScope="" ma:versionID="8cc2e1cd8ed5e3d06dd91de90409297d">
   <xsd:schema xmlns:xsd="http://www.w3.org/2001/XMLSchema" xmlns:xs="http://www.w3.org/2001/XMLSchema" xmlns:p="http://schemas.microsoft.com/office/2006/metadata/properties" xmlns:ns3="b657e3ff-2373-44ab-b220-4a34d78146a3" targetNamespace="http://schemas.microsoft.com/office/2006/metadata/properties" ma:root="true" ma:fieldsID="98c485b3c75fa18eb6466c28261613cc" ns3:_="">
     <xsd:import namespace="b657e3ff-2373-44ab-b220-4a34d78146a3"/>
@@ -7021,31 +6990,22 @@
 </ct:contentTypeSchema>
 </file>
 
-<file path=customXml/itemProps1.xml><?xml version="1.0" encoding="utf-8"?>
-<ds:datastoreItem xmlns:ds="http://schemas.openxmlformats.org/officeDocument/2006/customXml" ds:itemID="{37CE55D0-9F44-409C-8891-66A0126536B1}">
-  <ds:schemaRefs>
-    <ds:schemaRef ds:uri="http://schemas.microsoft.com/office/2006/documentManagement/types"/>
-    <ds:schemaRef ds:uri="http://schemas.microsoft.com/office/infopath/2007/PartnerControls"/>
-    <ds:schemaRef ds:uri="http://purl.org/dc/elements/1.1/"/>
-    <ds:schemaRef ds:uri="http://purl.org/dc/dcmitype/"/>
-    <ds:schemaRef ds:uri="http://schemas.microsoft.com/office/2006/metadata/properties"/>
-    <ds:schemaRef ds:uri="http://www.w3.org/XML/1998/namespace"/>
-    <ds:schemaRef ds:uri="http://purl.org/dc/terms/"/>
-    <ds:schemaRef ds:uri="http://schemas.openxmlformats.org/package/2006/metadata/core-properties"/>
-    <ds:schemaRef ds:uri="b657e3ff-2373-44ab-b220-4a34d78146a3"/>
-  </ds:schemaRefs>
-</ds:datastoreItem>
+<file path=customXml/item2.xml><?xml version="1.0" encoding="utf-8"?>
+<?mso-contentType ?>
+<FormTemplates xmlns="http://schemas.microsoft.com/sharepoint/v3/contenttype/forms">
+  <Display>DocumentLibraryForm</Display>
+  <Edit>DocumentLibraryForm</Edit>
+  <New>DocumentLibraryForm</New>
+</FormTemplates>
 </file>
 
-<file path=customXml/itemProps2.xml><?xml version="1.0" encoding="utf-8"?>
-<ds:datastoreItem xmlns:ds="http://schemas.openxmlformats.org/officeDocument/2006/customXml" ds:itemID="{8176C55A-C0F1-42B5-8B82-E5EF1F8186E9}">
-  <ds:schemaRefs>
-    <ds:schemaRef ds:uri="http://schemas.microsoft.com/sharepoint/v3/contenttype/forms"/>
-  </ds:schemaRefs>
-</ds:datastoreItem>
+<file path=customXml/item3.xml><?xml version="1.0" encoding="utf-8"?>
+<p:properties xmlns:p="http://schemas.microsoft.com/office/2006/metadata/properties" xmlns:xsi="http://www.w3.org/2001/XMLSchema-instance" xmlns:pc="http://schemas.microsoft.com/office/infopath/2007/PartnerControls">
+  <documentManagement/>
+</p:properties>
 </file>
 
-<file path=customXml/itemProps3.xml><?xml version="1.0" encoding="utf-8"?>
+<file path=customXml/itemProps1.xml><?xml version="1.0" encoding="utf-8"?>
 <ds:datastoreItem xmlns:ds="http://schemas.openxmlformats.org/officeDocument/2006/customXml" ds:itemID="{36D7BAC2-8C10-4D23-A51F-ADA19DC01A6A}">
   <ds:schemaRefs>
     <ds:schemaRef ds:uri="http://schemas.microsoft.com/office/2006/metadata/contentType"/>
@@ -7061,4 +7021,28 @@
     <ds:schemaRef ds:uri="http://schemas.microsoft.com/internal/obd"/>
   </ds:schemaRefs>
 </ds:datastoreItem>
+</file>
+
+<file path=customXml/itemProps2.xml><?xml version="1.0" encoding="utf-8"?>
+<ds:datastoreItem xmlns:ds="http://schemas.openxmlformats.org/officeDocument/2006/customXml" ds:itemID="{8176C55A-C0F1-42B5-8B82-E5EF1F8186E9}">
+  <ds:schemaRefs>
+    <ds:schemaRef ds:uri="http://schemas.microsoft.com/sharepoint/v3/contenttype/forms"/>
+  </ds:schemaRefs>
+</ds:datastoreItem>
+</file>
+
+<file path=customXml/itemProps3.xml><?xml version="1.0" encoding="utf-8"?>
+<ds:datastoreItem xmlns:ds="http://schemas.openxmlformats.org/officeDocument/2006/customXml" ds:itemID="{37CE55D0-9F44-409C-8891-66A0126536B1}">
+  <ds:schemaRefs>
+    <ds:schemaRef ds:uri="http://schemas.microsoft.com/office/2006/documentManagement/types"/>
+    <ds:schemaRef ds:uri="http://schemas.microsoft.com/office/infopath/2007/PartnerControls"/>
+    <ds:schemaRef ds:uri="http://purl.org/dc/elements/1.1/"/>
+    <ds:schemaRef ds:uri="http://purl.org/dc/dcmitype/"/>
+    <ds:schemaRef ds:uri="http://schemas.microsoft.com/office/2006/metadata/properties"/>
+    <ds:schemaRef ds:uri="http://www.w3.org/XML/1998/namespace"/>
+    <ds:schemaRef ds:uri="http://purl.org/dc/terms/"/>
+    <ds:schemaRef ds:uri="http://schemas.openxmlformats.org/package/2006/metadata/core-properties"/>
+    <ds:schemaRef ds:uri="b657e3ff-2373-44ab-b220-4a34d78146a3"/>
+  </ds:schemaRefs>
+</ds:datastoreItem>
 </file>
--- a/Pilot2_organisering av prosjektteamet.pptx
+++ b/Pilot2_organisering av prosjektteamet.pptx
@@ -110,6 +110,35 @@
     </p:ext>
   </p:extLst>
 </p:presentation>
+</file>
+
+<file path=ppt/changesInfos/changesInfo1.xml><?xml version="1.0" encoding="utf-8"?>
+<pc:chgInfo xmlns:a="http://schemas.openxmlformats.org/drawingml/2006/main" xmlns:r="http://schemas.openxmlformats.org/officeDocument/2006/relationships" xmlns:ac="http://schemas.microsoft.com/office/drawing/2013/main/command" xmlns:pc="http://schemas.microsoft.com/office/powerpoint/2013/main/command">
+  <pc:docChgLst>
+    <pc:chgData name="Kamalan Rashasingham" userId="d7834204-96d8-434a-86a8-701fe5ebaf80" providerId="ADAL" clId="{6C568E26-4CA0-47A5-9344-2F9D009FB5F5}"/>
+    <pc:docChg chg="modSld">
+      <pc:chgData name="Kamalan Rashasingham" userId="d7834204-96d8-434a-86a8-701fe5ebaf80" providerId="ADAL" clId="{6C568E26-4CA0-47A5-9344-2F9D009FB5F5}" dt="2021-11-23T10:41:04.562" v="64" actId="20577"/>
+      <pc:docMkLst>
+        <pc:docMk/>
+      </pc:docMkLst>
+      <pc:sldChg chg="modSp mod">
+        <pc:chgData name="Kamalan Rashasingham" userId="d7834204-96d8-434a-86a8-701fe5ebaf80" providerId="ADAL" clId="{6C568E26-4CA0-47A5-9344-2F9D009FB5F5}" dt="2021-11-23T10:41:04.562" v="64" actId="20577"/>
+        <pc:sldMkLst>
+          <pc:docMk/>
+          <pc:sldMk cId="2533152750" sldId="256"/>
+        </pc:sldMkLst>
+        <pc:spChg chg="mod">
+          <ac:chgData name="Kamalan Rashasingham" userId="d7834204-96d8-434a-86a8-701fe5ebaf80" providerId="ADAL" clId="{6C568E26-4CA0-47A5-9344-2F9D009FB5F5}" dt="2021-11-23T10:41:04.562" v="64" actId="20577"/>
+          <ac:spMkLst>
+            <pc:docMk/>
+            <pc:sldMk cId="2533152750" sldId="256"/>
+            <ac:spMk id="7" creationId="{89187469-B114-448B-B23D-992578B074BB}"/>
+          </ac:spMkLst>
+        </pc:spChg>
+      </pc:sldChg>
+    </pc:docChg>
+  </pc:docChgLst>
+</pc:chgInfo>
 </file>
 
 <file path=ppt/diagrams/colors1.xml><?xml version="1.0" encoding="utf-8"?>
@@ -3163,7 +3192,7 @@
           <a:p>
             <a:fld id="{F52D2517-354E-45E0-A500-9BBCE3F9F131}" type="datetimeFigureOut">
               <a:rPr lang="nb-NO" smtClean="0"/>
-              <a:t>09.08.2021</a:t>
+              <a:t>23.11.2021</a:t>
             </a:fld>
             <a:endParaRPr lang="nb-NO"/>
           </a:p>
@@ -3363,7 +3392,7 @@
           <a:p>
             <a:fld id="{F52D2517-354E-45E0-A500-9BBCE3F9F131}" type="datetimeFigureOut">
               <a:rPr lang="nb-NO" smtClean="0"/>
-              <a:t>09.08.2021</a:t>
+              <a:t>23.11.2021</a:t>
             </a:fld>
             <a:endParaRPr lang="nb-NO"/>
           </a:p>
@@ -3573,7 +3602,7 @@
           <a:p>
             <a:fld id="{F52D2517-354E-45E0-A500-9BBCE3F9F131}" type="datetimeFigureOut">
               <a:rPr lang="nb-NO" smtClean="0"/>
-              <a:t>09.08.2021</a:t>
+              <a:t>23.11.2021</a:t>
             </a:fld>
             <a:endParaRPr lang="nb-NO"/>
           </a:p>
@@ -3773,7 +3802,7 @@
           <a:p>
             <a:fld id="{F52D2517-354E-45E0-A500-9BBCE3F9F131}" type="datetimeFigureOut">
               <a:rPr lang="nb-NO" smtClean="0"/>
-              <a:t>09.08.2021</a:t>
+              <a:t>23.11.2021</a:t>
             </a:fld>
             <a:endParaRPr lang="nb-NO"/>
           </a:p>
@@ -4049,7 +4078,7 @@
           <a:p>
             <a:fld id="{F52D2517-354E-45E0-A500-9BBCE3F9F131}" type="datetimeFigureOut">
               <a:rPr lang="nb-NO" smtClean="0"/>
-              <a:t>09.08.2021</a:t>
+              <a:t>23.11.2021</a:t>
             </a:fld>
             <a:endParaRPr lang="nb-NO"/>
           </a:p>
@@ -4317,7 +4346,7 @@
           <a:p>
             <a:fld id="{F52D2517-354E-45E0-A500-9BBCE3F9F131}" type="datetimeFigureOut">
               <a:rPr lang="nb-NO" smtClean="0"/>
-              <a:t>09.08.2021</a:t>
+              <a:t>23.11.2021</a:t>
             </a:fld>
             <a:endParaRPr lang="nb-NO"/>
           </a:p>
@@ -4732,7 +4761,7 @@
           <a:p>
             <a:fld id="{F52D2517-354E-45E0-A500-9BBCE3F9F131}" type="datetimeFigureOut">
               <a:rPr lang="nb-NO" smtClean="0"/>
-              <a:t>09.08.2021</a:t>
+              <a:t>23.11.2021</a:t>
             </a:fld>
             <a:endParaRPr lang="nb-NO"/>
           </a:p>
@@ -4874,7 +4903,7 @@
           <a:p>
             <a:fld id="{F52D2517-354E-45E0-A500-9BBCE3F9F131}" type="datetimeFigureOut">
               <a:rPr lang="nb-NO" smtClean="0"/>
-              <a:t>09.08.2021</a:t>
+              <a:t>23.11.2021</a:t>
             </a:fld>
             <a:endParaRPr lang="nb-NO"/>
           </a:p>
@@ -4987,7 +5016,7 @@
           <a:p>
             <a:fld id="{F52D2517-354E-45E0-A500-9BBCE3F9F131}" type="datetimeFigureOut">
               <a:rPr lang="nb-NO" smtClean="0"/>
-              <a:t>09.08.2021</a:t>
+              <a:t>23.11.2021</a:t>
             </a:fld>
             <a:endParaRPr lang="nb-NO"/>
           </a:p>
@@ -5300,7 +5329,7 @@
           <a:p>
             <a:fld id="{F52D2517-354E-45E0-A500-9BBCE3F9F131}" type="datetimeFigureOut">
               <a:rPr lang="nb-NO" smtClean="0"/>
-              <a:t>09.08.2021</a:t>
+              <a:t>23.11.2021</a:t>
             </a:fld>
             <a:endParaRPr lang="nb-NO"/>
           </a:p>
@@ -5589,7 +5618,7 @@
           <a:p>
             <a:fld id="{F52D2517-354E-45E0-A500-9BBCE3F9F131}" type="datetimeFigureOut">
               <a:rPr lang="nb-NO" smtClean="0"/>
-              <a:t>09.08.2021</a:t>
+              <a:t>23.11.2021</a:t>
             </a:fld>
             <a:endParaRPr lang="nb-NO"/>
           </a:p>
@@ -5832,7 +5861,7 @@
           <a:p>
             <a:fld id="{F52D2517-354E-45E0-A500-9BBCE3F9F131}" type="datetimeFigureOut">
               <a:rPr lang="nb-NO" smtClean="0"/>
-              <a:t>09.08.2021</a:t>
+              <a:t>23.11.2021</a:t>
             </a:fld>
             <a:endParaRPr lang="nb-NO"/>
           </a:p>
@@ -6375,24 +6404,15 @@
           <a:p>
             <a:pPr algn="r"/>
             <a:r>
-              <a:rPr lang="nb-NO" sz="1400" dirty="0">
-                <a:effectLst/>
-                <a:ea typeface="Calibri" panose="020F0502020204030204" pitchFamily="34" charset="0"/>
-              </a:rPr>
-              <a:t>Tor Tollnes (Overingeniør)</a:t>
-            </a:r>
-            <a:endParaRPr lang="nb-NO" sz="1400" dirty="0">
-              <a:ea typeface="Calibri" panose="020F0502020204030204" pitchFamily="34" charset="0"/>
-            </a:endParaRPr>
+              <a:rPr lang="nb-NO" sz="1400" dirty="0"/>
+              <a:t>Marius Lysebo (prodekan)</a:t>
+            </a:r>
           </a:p>
           <a:p>
             <a:pPr algn="r"/>
             <a:r>
-              <a:rPr lang="nb-NO" sz="1400" dirty="0">
-                <a:effectLst/>
-                <a:ea typeface="Calibri" panose="020F0502020204030204" pitchFamily="34" charset="0"/>
-              </a:rPr>
-              <a:t>Christian Nordahl Rolfsen (Universitetslektor)</a:t>
+              <a:rPr lang="nb-NO" sz="1400" dirty="0"/>
+              <a:t>Hallgrim Hjelmbrekke (instituttleder)</a:t>
             </a:r>
           </a:p>
           <a:p>
@@ -6841,6 +6861,21 @@
 </file>
 
 <file path=customXml/item1.xml><?xml version="1.0" encoding="utf-8"?>
+<p:properties xmlns:p="http://schemas.microsoft.com/office/2006/metadata/properties" xmlns:xsi="http://www.w3.org/2001/XMLSchema-instance" xmlns:pc="http://schemas.microsoft.com/office/infopath/2007/PartnerControls">
+  <documentManagement/>
+</p:properties>
+</file>
+
+<file path=customXml/item2.xml><?xml version="1.0" encoding="utf-8"?>
+<?mso-contentType ?>
+<FormTemplates xmlns="http://schemas.microsoft.com/sharepoint/v3/contenttype/forms">
+  <Display>DocumentLibraryForm</Display>
+  <Edit>DocumentLibraryForm</Edit>
+  <New>DocumentLibraryForm</New>
+</FormTemplates>
+</file>
+
+<file path=customXml/item3.xml><?xml version="1.0" encoding="utf-8"?>
 <ct:contentTypeSchema xmlns:ct="http://schemas.microsoft.com/office/2006/metadata/contentType" xmlns:ma="http://schemas.microsoft.com/office/2006/metadata/properties/metaAttributes" ct:_="" ma:_="" ma:contentTypeName="Dokument" ma:contentTypeID="0x0101006CC7DBF175EDDB4CB62795E217BC6B28" ma:contentTypeVersion="5" ma:contentTypeDescription="Opprett et nytt dokument." ma:contentTypeScope="" ma:versionID="8cc2e1cd8ed5e3d06dd91de90409297d">
   <xsd:schema xmlns:xsd="http://www.w3.org/2001/XMLSchema" xmlns:xs="http://www.w3.org/2001/XMLSchema" xmlns:p="http://schemas.microsoft.com/office/2006/metadata/properties" xmlns:ns3="b657e3ff-2373-44ab-b220-4a34d78146a3" targetNamespace="http://schemas.microsoft.com/office/2006/metadata/properties" ma:root="true" ma:fieldsID="98c485b3c75fa18eb6466c28261613cc" ns3:_="">
     <xsd:import namespace="b657e3ff-2373-44ab-b220-4a34d78146a3"/>
@@ -6990,22 +7025,31 @@
 </ct:contentTypeSchema>
 </file>
 
-<file path=customXml/item2.xml><?xml version="1.0" encoding="utf-8"?>
-<?mso-contentType ?>
-<FormTemplates xmlns="http://schemas.microsoft.com/sharepoint/v3/contenttype/forms">
-  <Display>DocumentLibraryForm</Display>
-  <Edit>DocumentLibraryForm</Edit>
-  <New>DocumentLibraryForm</New>
-</FormTemplates>
+<file path=customXml/itemProps1.xml><?xml version="1.0" encoding="utf-8"?>
+<ds:datastoreItem xmlns:ds="http://schemas.openxmlformats.org/officeDocument/2006/customXml" ds:itemID="{37CE55D0-9F44-409C-8891-66A0126536B1}">
+  <ds:schemaRefs>
+    <ds:schemaRef ds:uri="http://schemas.microsoft.com/office/2006/documentManagement/types"/>
+    <ds:schemaRef ds:uri="http://schemas.microsoft.com/office/infopath/2007/PartnerControls"/>
+    <ds:schemaRef ds:uri="http://purl.org/dc/elements/1.1/"/>
+    <ds:schemaRef ds:uri="http://purl.org/dc/dcmitype/"/>
+    <ds:schemaRef ds:uri="http://schemas.microsoft.com/office/2006/metadata/properties"/>
+    <ds:schemaRef ds:uri="http://www.w3.org/XML/1998/namespace"/>
+    <ds:schemaRef ds:uri="http://purl.org/dc/terms/"/>
+    <ds:schemaRef ds:uri="http://schemas.openxmlformats.org/package/2006/metadata/core-properties"/>
+    <ds:schemaRef ds:uri="b657e3ff-2373-44ab-b220-4a34d78146a3"/>
+  </ds:schemaRefs>
+</ds:datastoreItem>
 </file>
 
-<file path=customXml/item3.xml><?xml version="1.0" encoding="utf-8"?>
-<p:properties xmlns:p="http://schemas.microsoft.com/office/2006/metadata/properties" xmlns:xsi="http://www.w3.org/2001/XMLSchema-instance" xmlns:pc="http://schemas.microsoft.com/office/infopath/2007/PartnerControls">
-  <documentManagement/>
-</p:properties>
+<file path=customXml/itemProps2.xml><?xml version="1.0" encoding="utf-8"?>
+<ds:datastoreItem xmlns:ds="http://schemas.openxmlformats.org/officeDocument/2006/customXml" ds:itemID="{8176C55A-C0F1-42B5-8B82-E5EF1F8186E9}">
+  <ds:schemaRefs>
+    <ds:schemaRef ds:uri="http://schemas.microsoft.com/sharepoint/v3/contenttype/forms"/>
+  </ds:schemaRefs>
+</ds:datastoreItem>
 </file>
 
-<file path=customXml/itemProps1.xml><?xml version="1.0" encoding="utf-8"?>
+<file path=customXml/itemProps3.xml><?xml version="1.0" encoding="utf-8"?>
 <ds:datastoreItem xmlns:ds="http://schemas.openxmlformats.org/officeDocument/2006/customXml" ds:itemID="{36D7BAC2-8C10-4D23-A51F-ADA19DC01A6A}">
   <ds:schemaRefs>
     <ds:schemaRef ds:uri="http://schemas.microsoft.com/office/2006/metadata/contentType"/>
@@ -7021,28 +7065,4 @@
     <ds:schemaRef ds:uri="http://schemas.microsoft.com/internal/obd"/>
   </ds:schemaRefs>
 </ds:datastoreItem>
-</file>
-
-<file path=customXml/itemProps2.xml><?xml version="1.0" encoding="utf-8"?>
-<ds:datastoreItem xmlns:ds="http://schemas.openxmlformats.org/officeDocument/2006/customXml" ds:itemID="{8176C55A-C0F1-42B5-8B82-E5EF1F8186E9}">
-  <ds:schemaRefs>
-    <ds:schemaRef ds:uri="http://schemas.microsoft.com/sharepoint/v3/contenttype/forms"/>
-  </ds:schemaRefs>
-</ds:datastoreItem>
-</file>
-
-<file path=customXml/itemProps3.xml><?xml version="1.0" encoding="utf-8"?>
-<ds:datastoreItem xmlns:ds="http://schemas.openxmlformats.org/officeDocument/2006/customXml" ds:itemID="{37CE55D0-9F44-409C-8891-66A0126536B1}">
-  <ds:schemaRefs>
-    <ds:schemaRef ds:uri="http://schemas.microsoft.com/office/2006/documentManagement/types"/>
-    <ds:schemaRef ds:uri="http://schemas.microsoft.com/office/infopath/2007/PartnerControls"/>
-    <ds:schemaRef ds:uri="http://purl.org/dc/elements/1.1/"/>
-    <ds:schemaRef ds:uri="http://purl.org/dc/dcmitype/"/>
-    <ds:schemaRef ds:uri="http://schemas.microsoft.com/office/2006/metadata/properties"/>
-    <ds:schemaRef ds:uri="http://www.w3.org/XML/1998/namespace"/>
-    <ds:schemaRef ds:uri="http://purl.org/dc/terms/"/>
-    <ds:schemaRef ds:uri="http://schemas.openxmlformats.org/package/2006/metadata/core-properties"/>
-    <ds:schemaRef ds:uri="b657e3ff-2373-44ab-b220-4a34d78146a3"/>
-  </ds:schemaRefs>
-</ds:datastoreItem>
 </file>